--- a/main/results/paper_figures/model_schematic [Autosaved].pptx
+++ b/main/results/paper_figures/model_schematic [Autosaved].pptx
@@ -265,7 +265,7 @@
           <a:p>
             <a:fld id="{0B86F257-0878-4EBB-8A3B-E0624691A724}" type="datetimeFigureOut">
               <a:rPr lang="en-US" smtClean="0"/>
-              <a:t>12/4/2021</a:t>
+              <a:t>12/11/2021</a:t>
             </a:fld>
             <a:endParaRPr lang="en-US"/>
           </a:p>
@@ -463,7 +463,7 @@
           <a:p>
             <a:fld id="{0B86F257-0878-4EBB-8A3B-E0624691A724}" type="datetimeFigureOut">
               <a:rPr lang="en-US" smtClean="0"/>
-              <a:t>12/4/2021</a:t>
+              <a:t>12/11/2021</a:t>
             </a:fld>
             <a:endParaRPr lang="en-US"/>
           </a:p>
@@ -671,7 +671,7 @@
           <a:p>
             <a:fld id="{0B86F257-0878-4EBB-8A3B-E0624691A724}" type="datetimeFigureOut">
               <a:rPr lang="en-US" smtClean="0"/>
-              <a:t>12/4/2021</a:t>
+              <a:t>12/11/2021</a:t>
             </a:fld>
             <a:endParaRPr lang="en-US"/>
           </a:p>
@@ -869,7 +869,7 @@
           <a:p>
             <a:fld id="{0B86F257-0878-4EBB-8A3B-E0624691A724}" type="datetimeFigureOut">
               <a:rPr lang="en-US" smtClean="0"/>
-              <a:t>12/4/2021</a:t>
+              <a:t>12/11/2021</a:t>
             </a:fld>
             <a:endParaRPr lang="en-US"/>
           </a:p>
@@ -1144,7 +1144,7 @@
           <a:p>
             <a:fld id="{0B86F257-0878-4EBB-8A3B-E0624691A724}" type="datetimeFigureOut">
               <a:rPr lang="en-US" smtClean="0"/>
-              <a:t>12/4/2021</a:t>
+              <a:t>12/11/2021</a:t>
             </a:fld>
             <a:endParaRPr lang="en-US"/>
           </a:p>
@@ -1409,7 +1409,7 @@
           <a:p>
             <a:fld id="{0B86F257-0878-4EBB-8A3B-E0624691A724}" type="datetimeFigureOut">
               <a:rPr lang="en-US" smtClean="0"/>
-              <a:t>12/4/2021</a:t>
+              <a:t>12/11/2021</a:t>
             </a:fld>
             <a:endParaRPr lang="en-US"/>
           </a:p>
@@ -1821,7 +1821,7 @@
           <a:p>
             <a:fld id="{0B86F257-0878-4EBB-8A3B-E0624691A724}" type="datetimeFigureOut">
               <a:rPr lang="en-US" smtClean="0"/>
-              <a:t>12/4/2021</a:t>
+              <a:t>12/11/2021</a:t>
             </a:fld>
             <a:endParaRPr lang="en-US"/>
           </a:p>
@@ -1962,7 +1962,7 @@
           <a:p>
             <a:fld id="{0B86F257-0878-4EBB-8A3B-E0624691A724}" type="datetimeFigureOut">
               <a:rPr lang="en-US" smtClean="0"/>
-              <a:t>12/4/2021</a:t>
+              <a:t>12/11/2021</a:t>
             </a:fld>
             <a:endParaRPr lang="en-US"/>
           </a:p>
@@ -2075,7 +2075,7 @@
           <a:p>
             <a:fld id="{0B86F257-0878-4EBB-8A3B-E0624691A724}" type="datetimeFigureOut">
               <a:rPr lang="en-US" smtClean="0"/>
-              <a:t>12/4/2021</a:t>
+              <a:t>12/11/2021</a:t>
             </a:fld>
             <a:endParaRPr lang="en-US"/>
           </a:p>
@@ -2386,7 +2386,7 @@
           <a:p>
             <a:fld id="{0B86F257-0878-4EBB-8A3B-E0624691A724}" type="datetimeFigureOut">
               <a:rPr lang="en-US" smtClean="0"/>
-              <a:t>12/4/2021</a:t>
+              <a:t>12/11/2021</a:t>
             </a:fld>
             <a:endParaRPr lang="en-US"/>
           </a:p>
@@ -2674,7 +2674,7 @@
           <a:p>
             <a:fld id="{0B86F257-0878-4EBB-8A3B-E0624691A724}" type="datetimeFigureOut">
               <a:rPr lang="en-US" smtClean="0"/>
-              <a:t>12/4/2021</a:t>
+              <a:t>12/11/2021</a:t>
             </a:fld>
             <a:endParaRPr lang="en-US"/>
           </a:p>
@@ -2915,7 +2915,7 @@
           <a:p>
             <a:fld id="{0B86F257-0878-4EBB-8A3B-E0624691A724}" type="datetimeFigureOut">
               <a:rPr lang="en-US" smtClean="0"/>
-              <a:t>12/4/2021</a:t>
+              <a:t>12/11/2021</a:t>
             </a:fld>
             <a:endParaRPr lang="en-US"/>
           </a:p>
@@ -9384,12 +9384,468 @@
           </a:p>
         </p:txBody>
       </p:sp>
+      <p:sp>
+        <p:nvSpPr>
+          <p:cNvPr id="30" name="Rectangle 29">
+            <a:extLst>
+              <a:ext uri="{FF2B5EF4-FFF2-40B4-BE49-F238E27FC236}">
+                <a16:creationId xmlns:a16="http://schemas.microsoft.com/office/drawing/2014/main" id="{DFE2D543-56D4-4070-9D0F-B82D4A925384}"/>
+              </a:ext>
+            </a:extLst>
+          </p:cNvPr>
+          <p:cNvSpPr/>
+          <p:nvPr/>
+        </p:nvSpPr>
+        <p:spPr>
+          <a:xfrm>
+            <a:off x="6801804" y="2625084"/>
+            <a:ext cx="2230853" cy="385715"/>
+          </a:xfrm>
+          <a:prstGeom prst="rect">
+            <a:avLst/>
+          </a:prstGeom>
+          <a:noFill/>
+          <a:ln w="28575">
+            <a:noFill/>
+          </a:ln>
+        </p:spPr>
+        <p:style>
+          <a:lnRef idx="2">
+            <a:schemeClr val="accent1">
+              <a:shade val="50000"/>
+            </a:schemeClr>
+          </a:lnRef>
+          <a:fillRef idx="1">
+            <a:schemeClr val="accent1"/>
+          </a:fillRef>
+          <a:effectRef idx="0">
+            <a:schemeClr val="accent1"/>
+          </a:effectRef>
+          <a:fontRef idx="minor">
+            <a:schemeClr val="lt1"/>
+          </a:fontRef>
+        </p:style>
+        <p:txBody>
+          <a:bodyPr rtlCol="0" anchor="ctr"/>
+          <a:lstStyle/>
+          <a:p>
+            <a:pPr algn="ctr"/>
+            <a:r>
+              <a:rPr lang="en-US" dirty="0" err="1">
+                <a:solidFill>
+                  <a:schemeClr val="accent2">
+                    <a:lumMod val="75000"/>
+                  </a:schemeClr>
+                </a:solidFill>
+              </a:rPr>
+              <a:t>V</a:t>
+            </a:r>
+            <a:r>
+              <a:rPr lang="en-US" baseline="-25000" dirty="0" err="1">
+                <a:solidFill>
+                  <a:schemeClr val="accent2">
+                    <a:lumMod val="75000"/>
+                  </a:schemeClr>
+                </a:solidFill>
+              </a:rPr>
+              <a:t>reset</a:t>
+            </a:r>
+            <a:endParaRPr lang="en-US" baseline="-25000" dirty="0">
+              <a:solidFill>
+                <a:schemeClr val="accent2">
+                  <a:lumMod val="75000"/>
+                </a:schemeClr>
+              </a:solidFill>
+            </a:endParaRPr>
+          </a:p>
+        </p:txBody>
+      </p:sp>
+      <p:sp>
+        <p:nvSpPr>
+          <p:cNvPr id="34" name="Rectangle 33">
+            <a:extLst>
+              <a:ext uri="{FF2B5EF4-FFF2-40B4-BE49-F238E27FC236}">
+                <a16:creationId xmlns:a16="http://schemas.microsoft.com/office/drawing/2014/main" id="{A3C02E0B-EBCC-4D8E-AEEA-0DC360C790A5}"/>
+              </a:ext>
+            </a:extLst>
+          </p:cNvPr>
+          <p:cNvSpPr/>
+          <p:nvPr/>
+        </p:nvSpPr>
+        <p:spPr>
+          <a:xfrm>
+            <a:off x="6918631" y="3514025"/>
+            <a:ext cx="2230853" cy="385715"/>
+          </a:xfrm>
+          <a:prstGeom prst="rect">
+            <a:avLst/>
+          </a:prstGeom>
+          <a:noFill/>
+          <a:ln w="28575">
+            <a:noFill/>
+          </a:ln>
+        </p:spPr>
+        <p:style>
+          <a:lnRef idx="2">
+            <a:schemeClr val="accent1">
+              <a:shade val="50000"/>
+            </a:schemeClr>
+          </a:lnRef>
+          <a:fillRef idx="1">
+            <a:schemeClr val="accent1"/>
+          </a:fillRef>
+          <a:effectRef idx="0">
+            <a:schemeClr val="accent1"/>
+          </a:effectRef>
+          <a:fontRef idx="minor">
+            <a:schemeClr val="lt1"/>
+          </a:fontRef>
+        </p:style>
+        <p:txBody>
+          <a:bodyPr rtlCol="0" anchor="ctr"/>
+          <a:lstStyle/>
+          <a:p>
+            <a:pPr algn="ctr"/>
+            <a:r>
+              <a:rPr lang="en-US" dirty="0">
+                <a:solidFill>
+                  <a:schemeClr val="accent2">
+                    <a:lumMod val="75000"/>
+                  </a:schemeClr>
+                </a:solidFill>
+              </a:rPr>
+              <a:t>V</a:t>
+            </a:r>
+            <a:r>
+              <a:rPr lang="en-US" baseline="-25000" dirty="0">
+                <a:solidFill>
+                  <a:schemeClr val="accent2">
+                    <a:lumMod val="75000"/>
+                  </a:schemeClr>
+                </a:solidFill>
+              </a:rPr>
+              <a:t>th</a:t>
+            </a:r>
+          </a:p>
+        </p:txBody>
+      </p:sp>
+      <p:pic>
+        <p:nvPicPr>
+          <p:cNvPr id="15" name="Picture 14">
+            <a:extLst>
+              <a:ext uri="{FF2B5EF4-FFF2-40B4-BE49-F238E27FC236}">
+                <a16:creationId xmlns:a16="http://schemas.microsoft.com/office/drawing/2014/main" id="{6AAA0C94-1DBF-4FCF-9C4E-AA9DBE0282E7}"/>
+              </a:ext>
+            </a:extLst>
+          </p:cNvPr>
+          <p:cNvPicPr>
+            <a:picLocks noChangeAspect="1"/>
+          </p:cNvPicPr>
+          <p:nvPr/>
+        </p:nvPicPr>
+        <p:blipFill rotWithShape="1">
+          <a:blip r:embed="rId2">
+            <a:duotone>
+              <a:schemeClr val="accent6">
+                <a:shade val="45000"/>
+                <a:satMod val="135000"/>
+              </a:schemeClr>
+              <a:prstClr val="white"/>
+            </a:duotone>
+          </a:blip>
+          <a:srcRect l="5188" t="6147" r="4160"/>
+          <a:stretch/>
+        </p:blipFill>
+        <p:spPr>
+          <a:xfrm>
+            <a:off x="9570152" y="2448685"/>
+            <a:ext cx="2598163" cy="765484"/>
+          </a:xfrm>
+          <a:prstGeom prst="rect">
+            <a:avLst/>
+          </a:prstGeom>
+        </p:spPr>
+      </p:pic>
+      <p:cxnSp>
+        <p:nvCxnSpPr>
+          <p:cNvPr id="41" name="Connector: Curved 40">
+            <a:extLst>
+              <a:ext uri="{FF2B5EF4-FFF2-40B4-BE49-F238E27FC236}">
+                <a16:creationId xmlns:a16="http://schemas.microsoft.com/office/drawing/2014/main" id="{3214B9FC-6050-44CA-AEC3-3B21DB6C5421}"/>
+              </a:ext>
+            </a:extLst>
+          </p:cNvPr>
+          <p:cNvCxnSpPr/>
+          <p:nvPr/>
+        </p:nvCxnSpPr>
+        <p:spPr>
+          <a:xfrm rot="16200000" flipV="1">
+            <a:off x="2898786" y="3262770"/>
+            <a:ext cx="496697" cy="399496"/>
+          </a:xfrm>
+          <a:prstGeom prst="curvedConnector3">
+            <a:avLst/>
+          </a:prstGeom>
+          <a:ln w="28575">
+            <a:solidFill>
+              <a:schemeClr val="accent6"/>
+            </a:solidFill>
+            <a:tailEnd type="triangle"/>
+          </a:ln>
+        </p:spPr>
+        <p:style>
+          <a:lnRef idx="1">
+            <a:schemeClr val="accent1"/>
+          </a:lnRef>
+          <a:fillRef idx="0">
+            <a:schemeClr val="accent1"/>
+          </a:fillRef>
+          <a:effectRef idx="0">
+            <a:schemeClr val="accent1"/>
+          </a:effectRef>
+          <a:fontRef idx="minor">
+            <a:schemeClr val="tx1"/>
+          </a:fontRef>
+        </p:style>
+      </p:cxnSp>
+      <p:cxnSp>
+        <p:nvCxnSpPr>
+          <p:cNvPr id="46" name="Connector: Curved 45">
+            <a:extLst>
+              <a:ext uri="{FF2B5EF4-FFF2-40B4-BE49-F238E27FC236}">
+                <a16:creationId xmlns:a16="http://schemas.microsoft.com/office/drawing/2014/main" id="{BF004F64-5BE0-4A69-821F-9E0CDA85D057}"/>
+              </a:ext>
+            </a:extLst>
+          </p:cNvPr>
+          <p:cNvCxnSpPr>
+            <a:cxnSpLocks/>
+          </p:cNvCxnSpPr>
+          <p:nvPr/>
+        </p:nvCxnSpPr>
+        <p:spPr>
+          <a:xfrm rot="5400000">
+            <a:off x="5919641" y="4207824"/>
+            <a:ext cx="688974" cy="584580"/>
+          </a:xfrm>
+          <a:prstGeom prst="curvedConnector3">
+            <a:avLst/>
+          </a:prstGeom>
+          <a:ln w="28575">
+            <a:solidFill>
+              <a:schemeClr val="accent6"/>
+            </a:solidFill>
+            <a:tailEnd type="triangle"/>
+          </a:ln>
+        </p:spPr>
+        <p:style>
+          <a:lnRef idx="1">
+            <a:schemeClr val="accent1"/>
+          </a:lnRef>
+          <a:fillRef idx="0">
+            <a:schemeClr val="accent1"/>
+          </a:fillRef>
+          <a:effectRef idx="0">
+            <a:schemeClr val="accent1"/>
+          </a:effectRef>
+          <a:fontRef idx="minor">
+            <a:schemeClr val="tx1"/>
+          </a:fontRef>
+        </p:style>
+      </p:cxnSp>
+      <p:cxnSp>
+        <p:nvCxnSpPr>
+          <p:cNvPr id="48" name="Connector: Curved 47">
+            <a:extLst>
+              <a:ext uri="{FF2B5EF4-FFF2-40B4-BE49-F238E27FC236}">
+                <a16:creationId xmlns:a16="http://schemas.microsoft.com/office/drawing/2014/main" id="{41C3B803-FC37-480A-A4BE-CB7ED799908F}"/>
+              </a:ext>
+            </a:extLst>
+          </p:cNvPr>
+          <p:cNvCxnSpPr>
+            <a:cxnSpLocks/>
+          </p:cNvCxnSpPr>
+          <p:nvPr/>
+        </p:nvCxnSpPr>
+        <p:spPr>
+          <a:xfrm rot="16200000" flipV="1">
+            <a:off x="5668141" y="1212229"/>
+            <a:ext cx="1288813" cy="534562"/>
+          </a:xfrm>
+          <a:prstGeom prst="curvedConnector3">
+            <a:avLst/>
+          </a:prstGeom>
+          <a:ln w="28575">
+            <a:solidFill>
+              <a:schemeClr val="accent6"/>
+            </a:solidFill>
+            <a:tailEnd type="triangle"/>
+          </a:ln>
+        </p:spPr>
+        <p:style>
+          <a:lnRef idx="1">
+            <a:schemeClr val="accent1"/>
+          </a:lnRef>
+          <a:fillRef idx="0">
+            <a:schemeClr val="accent1"/>
+          </a:fillRef>
+          <a:effectRef idx="0">
+            <a:schemeClr val="accent1"/>
+          </a:effectRef>
+          <a:fontRef idx="minor">
+            <a:schemeClr val="tx1"/>
+          </a:fontRef>
+        </p:style>
+      </p:cxnSp>
+      <p:cxnSp>
+        <p:nvCxnSpPr>
+          <p:cNvPr id="52" name="Connector: Curved 51">
+            <a:extLst>
+              <a:ext uri="{FF2B5EF4-FFF2-40B4-BE49-F238E27FC236}">
+                <a16:creationId xmlns:a16="http://schemas.microsoft.com/office/drawing/2014/main" id="{E3A4CFF5-F068-48F3-BE71-E6E74E099E71}"/>
+              </a:ext>
+            </a:extLst>
+          </p:cNvPr>
+          <p:cNvCxnSpPr>
+            <a:cxnSpLocks/>
+            <a:endCxn id="15" idx="2"/>
+          </p:cNvCxnSpPr>
+          <p:nvPr/>
+        </p:nvCxnSpPr>
+        <p:spPr>
+          <a:xfrm flipV="1">
+            <a:off x="9801441" y="3214169"/>
+            <a:ext cx="1067793" cy="684682"/>
+          </a:xfrm>
+          <a:prstGeom prst="curvedConnector2">
+            <a:avLst/>
+          </a:prstGeom>
+          <a:ln w="28575">
+            <a:solidFill>
+              <a:schemeClr val="accent6"/>
+            </a:solidFill>
+            <a:tailEnd type="triangle"/>
+          </a:ln>
+        </p:spPr>
+        <p:style>
+          <a:lnRef idx="1">
+            <a:schemeClr val="accent1"/>
+          </a:lnRef>
+          <a:fillRef idx="0">
+            <a:schemeClr val="accent1"/>
+          </a:fillRef>
+          <a:effectRef idx="0">
+            <a:schemeClr val="accent1"/>
+          </a:effectRef>
+          <a:fontRef idx="minor">
+            <a:schemeClr val="tx1"/>
+          </a:fontRef>
+        </p:style>
+      </p:cxnSp>
+      <p:cxnSp>
+        <p:nvCxnSpPr>
+          <p:cNvPr id="38" name="Connector: Elbow 37">
+            <a:extLst>
+              <a:ext uri="{FF2B5EF4-FFF2-40B4-BE49-F238E27FC236}">
+                <a16:creationId xmlns:a16="http://schemas.microsoft.com/office/drawing/2014/main" id="{0DD52B2A-E497-4BAE-8B35-E963D7DC6A80}"/>
+              </a:ext>
+            </a:extLst>
+          </p:cNvPr>
+          <p:cNvCxnSpPr>
+            <a:cxnSpLocks/>
+            <a:stCxn id="6" idx="1"/>
+            <a:endCxn id="4" idx="1"/>
+          </p:cNvCxnSpPr>
+          <p:nvPr/>
+        </p:nvCxnSpPr>
+        <p:spPr>
+          <a:xfrm rot="10800000" flipH="1" flipV="1">
+            <a:off x="5825417" y="2268030"/>
+            <a:ext cx="69542" cy="1649765"/>
+          </a:xfrm>
+          <a:prstGeom prst="bentConnector3">
+            <a:avLst>
+              <a:gd name="adj1" fmla="val -763931"/>
+            </a:avLst>
+          </a:prstGeom>
+          <a:ln w="28575">
+            <a:solidFill>
+              <a:schemeClr val="accent2">
+                <a:lumMod val="75000"/>
+              </a:schemeClr>
+            </a:solidFill>
+            <a:tailEnd type="triangle"/>
+          </a:ln>
+        </p:spPr>
+        <p:style>
+          <a:lnRef idx="1">
+            <a:schemeClr val="accent1"/>
+          </a:lnRef>
+          <a:fillRef idx="0">
+            <a:schemeClr val="accent1"/>
+          </a:fillRef>
+          <a:effectRef idx="0">
+            <a:schemeClr val="accent1"/>
+          </a:effectRef>
+          <a:fontRef idx="minor">
+            <a:schemeClr val="tx1"/>
+          </a:fontRef>
+        </p:style>
+      </p:cxnSp>
+      <p:cxnSp>
+        <p:nvCxnSpPr>
+          <p:cNvPr id="42" name="Connector: Elbow 41">
+            <a:extLst>
+              <a:ext uri="{FF2B5EF4-FFF2-40B4-BE49-F238E27FC236}">
+                <a16:creationId xmlns:a16="http://schemas.microsoft.com/office/drawing/2014/main" id="{A2543D20-873D-4D24-8B6D-490B4228536E}"/>
+              </a:ext>
+            </a:extLst>
+          </p:cNvPr>
+          <p:cNvCxnSpPr>
+            <a:cxnSpLocks/>
+          </p:cNvCxnSpPr>
+          <p:nvPr/>
+        </p:nvCxnSpPr>
+        <p:spPr>
+          <a:xfrm rot="16200000" flipH="1">
+            <a:off x="6766545" y="1682012"/>
+            <a:ext cx="466908" cy="829415"/>
+          </a:xfrm>
+          <a:prstGeom prst="bentConnector4">
+            <a:avLst>
+              <a:gd name="adj1" fmla="val -48960"/>
+              <a:gd name="adj2" fmla="val 133773"/>
+            </a:avLst>
+          </a:prstGeom>
+          <a:ln w="28575">
+            <a:solidFill>
+              <a:schemeClr val="accent2">
+                <a:lumMod val="75000"/>
+              </a:schemeClr>
+            </a:solidFill>
+            <a:tailEnd type="triangle"/>
+          </a:ln>
+        </p:spPr>
+        <p:style>
+          <a:lnRef idx="1">
+            <a:schemeClr val="accent1"/>
+          </a:lnRef>
+          <a:fillRef idx="0">
+            <a:schemeClr val="accent1"/>
+          </a:fillRef>
+          <a:effectRef idx="0">
+            <a:schemeClr val="accent1"/>
+          </a:effectRef>
+          <a:fontRef idx="minor">
+            <a:schemeClr val="tx1"/>
+          </a:fontRef>
+        </p:style>
+      </p:cxnSp>
       <p:grpSp>
         <p:nvGrpSpPr>
-          <p:cNvPr id="13" name="Group 12">
-            <a:extLst>
-              <a:ext uri="{FF2B5EF4-FFF2-40B4-BE49-F238E27FC236}">
-                <a16:creationId xmlns:a16="http://schemas.microsoft.com/office/drawing/2014/main" id="{83D320CB-08B5-4AC6-A3DD-23B56B95CE93}"/>
+          <p:cNvPr id="14" name="Group 13">
+            <a:extLst>
+              <a:ext uri="{FF2B5EF4-FFF2-40B4-BE49-F238E27FC236}">
+                <a16:creationId xmlns:a16="http://schemas.microsoft.com/office/drawing/2014/main" id="{67FFAF86-C881-485B-AE80-C567B7B0F39C}"/>
               </a:ext>
             </a:extLst>
           </p:cNvPr>
@@ -9398,18 +9854,18 @@
         </p:nvGrpSpPr>
         <p:grpSpPr>
           <a:xfrm>
-            <a:off x="1564869" y="4798743"/>
-            <a:ext cx="9721583" cy="809513"/>
-            <a:chOff x="5787583" y="5046137"/>
-            <a:chExt cx="5068340" cy="422039"/>
+            <a:off x="548483" y="1871645"/>
+            <a:ext cx="3157939" cy="1300430"/>
+            <a:chOff x="304540" y="917816"/>
+            <a:chExt cx="3157939" cy="1300430"/>
           </a:xfrm>
         </p:grpSpPr>
         <p:pic>
           <p:nvPicPr>
-            <p:cNvPr id="36" name="Picture 35">
+            <p:cNvPr id="11" name="Picture 10">
               <a:extLst>
                 <a:ext uri="{FF2B5EF4-FFF2-40B4-BE49-F238E27FC236}">
-                  <a16:creationId xmlns:a16="http://schemas.microsoft.com/office/drawing/2014/main" id="{8D12FD7D-C7CF-4196-8561-598BFD5C8810}"/>
+                  <a16:creationId xmlns:a16="http://schemas.microsoft.com/office/drawing/2014/main" id="{B674EB4B-7008-47A1-9D91-CA30D079CEF0}"/>
                 </a:ext>
               </a:extLst>
             </p:cNvPr>
@@ -9419,7 +9875,7 @@
             <p:nvPr/>
           </p:nvPicPr>
           <p:blipFill rotWithShape="1">
-            <a:blip r:embed="rId2">
+            <a:blip r:embed="rId3">
               <a:duotone>
                 <a:schemeClr val="accent6">
                   <a:shade val="45000"/>
@@ -9428,13 +9884,13 @@
                 <a:prstClr val="white"/>
               </a:duotone>
             </a:blip>
-            <a:srcRect l="14107" t="37808" b="-2"/>
+            <a:srcRect r="41366"/>
             <a:stretch/>
           </p:blipFill>
           <p:spPr>
             <a:xfrm>
-              <a:off x="8493760" y="5046137"/>
-              <a:ext cx="2362163" cy="422039"/>
+              <a:off x="304540" y="917816"/>
+              <a:ext cx="2960410" cy="676369"/>
             </a:xfrm>
             <a:prstGeom prst="rect">
               <a:avLst/>
@@ -9443,10 +9899,10 @@
         </p:pic>
         <p:pic>
           <p:nvPicPr>
-            <p:cNvPr id="8" name="Picture 7">
+            <p:cNvPr id="44" name="Picture 43">
               <a:extLst>
                 <a:ext uri="{FF2B5EF4-FFF2-40B4-BE49-F238E27FC236}">
-                  <a16:creationId xmlns:a16="http://schemas.microsoft.com/office/drawing/2014/main" id="{3C111360-863B-452E-9526-56CDB0205601}"/>
+                  <a16:creationId xmlns:a16="http://schemas.microsoft.com/office/drawing/2014/main" id="{95169CD5-34E9-4E5D-B393-3A3FDF559F8B}"/>
                 </a:ext>
               </a:extLst>
             </p:cNvPr>
@@ -9456,7 +9912,7 @@
             <p:nvPr/>
           </p:nvPicPr>
           <p:blipFill rotWithShape="1">
-            <a:blip r:embed="rId2">
+            <a:blip r:embed="rId3">
               <a:duotone>
                 <a:schemeClr val="accent6">
                   <a:shade val="45000"/>
@@ -9465,13 +9921,13 @@
                 <a:prstClr val="white"/>
               </a:duotone>
             </a:blip>
-            <a:srcRect t="-2343" r="2857" b="53163"/>
+            <a:srcRect l="56563"/>
             <a:stretch/>
           </p:blipFill>
           <p:spPr>
             <a:xfrm>
-              <a:off x="5787583" y="5093793"/>
-              <a:ext cx="2671534" cy="333729"/>
+              <a:off x="1269332" y="1541877"/>
+              <a:ext cx="2193147" cy="676369"/>
             </a:xfrm>
             <a:prstGeom prst="rect">
               <a:avLst/>
@@ -9479,157 +9935,107 @@
           </p:spPr>
         </p:pic>
       </p:grpSp>
-      <p:sp>
-        <p:nvSpPr>
-          <p:cNvPr id="30" name="Rectangle 29">
-            <a:extLst>
-              <a:ext uri="{FF2B5EF4-FFF2-40B4-BE49-F238E27FC236}">
-                <a16:creationId xmlns:a16="http://schemas.microsoft.com/office/drawing/2014/main" id="{DFE2D543-56D4-4070-9D0F-B82D4A925384}"/>
-              </a:ext>
-            </a:extLst>
-          </p:cNvPr>
-          <p:cNvSpPr/>
-          <p:nvPr/>
-        </p:nvSpPr>
-        <p:spPr>
-          <a:xfrm>
-            <a:off x="6801804" y="2625084"/>
-            <a:ext cx="2230853" cy="385715"/>
-          </a:xfrm>
-          <a:prstGeom prst="rect">
-            <a:avLst/>
-          </a:prstGeom>
-          <a:noFill/>
-          <a:ln w="28575">
-            <a:noFill/>
-          </a:ln>
-        </p:spPr>
-        <p:style>
-          <a:lnRef idx="2">
-            <a:schemeClr val="accent1">
-              <a:shade val="50000"/>
-            </a:schemeClr>
-          </a:lnRef>
-          <a:fillRef idx="1">
-            <a:schemeClr val="accent1"/>
-          </a:fillRef>
-          <a:effectRef idx="0">
-            <a:schemeClr val="accent1"/>
-          </a:effectRef>
-          <a:fontRef idx="minor">
-            <a:schemeClr val="lt1"/>
-          </a:fontRef>
-        </p:style>
-        <p:txBody>
-          <a:bodyPr rtlCol="0" anchor="ctr"/>
-          <a:lstStyle/>
-          <a:p>
-            <a:pPr algn="ctr"/>
-            <a:r>
-              <a:rPr lang="en-US" dirty="0" err="1">
-                <a:solidFill>
-                  <a:schemeClr val="accent2">
-                    <a:lumMod val="75000"/>
-                  </a:schemeClr>
-                </a:solidFill>
-              </a:rPr>
-              <a:t>V</a:t>
-            </a:r>
-            <a:r>
-              <a:rPr lang="en-US" baseline="-25000" dirty="0" err="1">
-                <a:solidFill>
-                  <a:schemeClr val="accent2">
-                    <a:lumMod val="75000"/>
-                  </a:schemeClr>
-                </a:solidFill>
-              </a:rPr>
-              <a:t>reset</a:t>
-            </a:r>
-            <a:endParaRPr lang="en-US" baseline="-25000" dirty="0">
-              <a:solidFill>
-                <a:schemeClr val="accent2">
-                  <a:lumMod val="75000"/>
+      <p:grpSp>
+        <p:nvGrpSpPr>
+          <p:cNvPr id="40" name="Group 39">
+            <a:extLst>
+              <a:ext uri="{FF2B5EF4-FFF2-40B4-BE49-F238E27FC236}">
+                <a16:creationId xmlns:a16="http://schemas.microsoft.com/office/drawing/2014/main" id="{D5E59F5C-DE98-4D7A-A14F-96FDC5A26156}"/>
+              </a:ext>
+            </a:extLst>
+          </p:cNvPr>
+          <p:cNvGrpSpPr/>
+          <p:nvPr/>
+        </p:nvGrpSpPr>
+        <p:grpSpPr>
+          <a:xfrm>
+            <a:off x="1211347" y="4848778"/>
+            <a:ext cx="10220310" cy="842529"/>
+            <a:chOff x="1211347" y="5132112"/>
+            <a:chExt cx="10220310" cy="842529"/>
+          </a:xfrm>
+        </p:grpSpPr>
+        <p:pic>
+          <p:nvPicPr>
+            <p:cNvPr id="35" name="Picture 34">
+              <a:extLst>
+                <a:ext uri="{FF2B5EF4-FFF2-40B4-BE49-F238E27FC236}">
+                  <a16:creationId xmlns:a16="http://schemas.microsoft.com/office/drawing/2014/main" id="{782107AF-1FFA-43F1-8634-5F3AA17FD783}"/>
+                </a:ext>
+              </a:extLst>
+            </p:cNvPr>
+            <p:cNvPicPr>
+              <a:picLocks noChangeAspect="1"/>
+            </p:cNvPicPr>
+            <p:nvPr/>
+          </p:nvPicPr>
+          <p:blipFill rotWithShape="1">
+            <a:blip r:embed="rId4">
+              <a:duotone>
+                <a:schemeClr val="accent6">
+                  <a:shade val="45000"/>
+                  <a:satMod val="135000"/>
                 </a:schemeClr>
-              </a:solidFill>
-            </a:endParaRPr>
-          </a:p>
-        </p:txBody>
-      </p:sp>
-      <p:sp>
-        <p:nvSpPr>
-          <p:cNvPr id="34" name="Rectangle 33">
-            <a:extLst>
-              <a:ext uri="{FF2B5EF4-FFF2-40B4-BE49-F238E27FC236}">
-                <a16:creationId xmlns:a16="http://schemas.microsoft.com/office/drawing/2014/main" id="{A3C02E0B-EBCC-4D8E-AEEA-0DC360C790A5}"/>
-              </a:ext>
-            </a:extLst>
-          </p:cNvPr>
-          <p:cNvSpPr/>
-          <p:nvPr/>
-        </p:nvSpPr>
-        <p:spPr>
-          <a:xfrm>
-            <a:off x="6918631" y="3514025"/>
-            <a:ext cx="2230853" cy="385715"/>
-          </a:xfrm>
-          <a:prstGeom prst="rect">
-            <a:avLst/>
-          </a:prstGeom>
-          <a:noFill/>
-          <a:ln w="28575">
-            <a:noFill/>
-          </a:ln>
-        </p:spPr>
-        <p:style>
-          <a:lnRef idx="2">
-            <a:schemeClr val="accent1">
-              <a:shade val="50000"/>
-            </a:schemeClr>
-          </a:lnRef>
-          <a:fillRef idx="1">
-            <a:schemeClr val="accent1"/>
-          </a:fillRef>
-          <a:effectRef idx="0">
-            <a:schemeClr val="accent1"/>
-          </a:effectRef>
-          <a:fontRef idx="minor">
-            <a:schemeClr val="lt1"/>
-          </a:fontRef>
-        </p:style>
-        <p:txBody>
-          <a:bodyPr rtlCol="0" anchor="ctr"/>
-          <a:lstStyle/>
-          <a:p>
-            <a:pPr algn="ctr"/>
-            <a:r>
-              <a:rPr lang="en-US" dirty="0">
-                <a:solidFill>
-                  <a:schemeClr val="accent2">
-                    <a:lumMod val="75000"/>
-                  </a:schemeClr>
-                </a:solidFill>
-              </a:rPr>
-              <a:t>V</a:t>
-            </a:r>
-            <a:r>
-              <a:rPr lang="en-US" baseline="-25000" dirty="0">
-                <a:solidFill>
-                  <a:schemeClr val="accent2">
-                    <a:lumMod val="75000"/>
-                  </a:schemeClr>
-                </a:solidFill>
-              </a:rPr>
-              <a:t>th</a:t>
-            </a:r>
-          </a:p>
-        </p:txBody>
-      </p:sp>
+                <a:prstClr val="white"/>
+              </a:duotone>
+            </a:blip>
+            <a:srcRect t="493" r="8962" b="53700"/>
+            <a:stretch/>
+          </p:blipFill>
+          <p:spPr>
+            <a:xfrm>
+              <a:off x="1211347" y="5132112"/>
+              <a:ext cx="5307589" cy="676369"/>
+            </a:xfrm>
+            <a:prstGeom prst="rect">
+              <a:avLst/>
+            </a:prstGeom>
+          </p:spPr>
+        </p:pic>
+        <p:pic>
+          <p:nvPicPr>
+            <p:cNvPr id="49" name="Picture 48">
+              <a:extLst>
+                <a:ext uri="{FF2B5EF4-FFF2-40B4-BE49-F238E27FC236}">
+                  <a16:creationId xmlns:a16="http://schemas.microsoft.com/office/drawing/2014/main" id="{F655FFBB-9612-4D7D-BF24-F02ADCD17E59}"/>
+                </a:ext>
+              </a:extLst>
+            </p:cNvPr>
+            <p:cNvPicPr>
+              <a:picLocks noChangeAspect="1"/>
+            </p:cNvPicPr>
+            <p:nvPr/>
+          </p:nvPicPr>
+          <p:blipFill rotWithShape="1">
+            <a:blip r:embed="rId4">
+              <a:duotone>
+                <a:schemeClr val="accent6">
+                  <a:shade val="45000"/>
+                  <a:satMod val="135000"/>
+                </a:schemeClr>
+                <a:prstClr val="white"/>
+              </a:duotone>
+            </a:blip>
+            <a:srcRect l="14184" t="45878"/>
+            <a:stretch/>
+          </p:blipFill>
+          <p:spPr>
+            <a:xfrm>
+              <a:off x="6428463" y="5175485"/>
+              <a:ext cx="5003194" cy="799156"/>
+            </a:xfrm>
+            <a:prstGeom prst="rect">
+              <a:avLst/>
+            </a:prstGeom>
+          </p:spPr>
+        </p:pic>
+      </p:grpSp>
       <p:pic>
         <p:nvPicPr>
-          <p:cNvPr id="12" name="Picture 11">
-            <a:extLst>
-              <a:ext uri="{FF2B5EF4-FFF2-40B4-BE49-F238E27FC236}">
-                <a16:creationId xmlns:a16="http://schemas.microsoft.com/office/drawing/2014/main" id="{90215BC1-E7C1-43EC-A119-86EF1D5D02ED}"/>
+          <p:cNvPr id="50" name="Picture 49">
+            <a:extLst>
+              <a:ext uri="{FF2B5EF4-FFF2-40B4-BE49-F238E27FC236}">
+                <a16:creationId xmlns:a16="http://schemas.microsoft.com/office/drawing/2014/main" id="{DDDA4ECC-CD73-4945-9C53-656F4710C2A3}"/>
               </a:ext>
             </a:extLst>
           </p:cNvPr>
@@ -9639,7 +10045,7 @@
           <p:nvPr/>
         </p:nvPicPr>
         <p:blipFill>
-          <a:blip r:embed="rId3">
+          <a:blip r:embed="rId5">
             <a:duotone>
               <a:schemeClr val="accent6">
                 <a:shade val="45000"/>
@@ -9654,420 +10060,14 @@
         </p:blipFill>
         <p:spPr>
           <a:xfrm>
-            <a:off x="3512537" y="192702"/>
-            <a:ext cx="6367425" cy="741642"/>
+            <a:off x="3061503" y="85335"/>
+            <a:ext cx="6582694" cy="647790"/>
           </a:xfrm>
           <a:prstGeom prst="rect">
             <a:avLst/>
           </a:prstGeom>
         </p:spPr>
       </p:pic>
-      <p:pic>
-        <p:nvPicPr>
-          <p:cNvPr id="15" name="Picture 14">
-            <a:extLst>
-              <a:ext uri="{FF2B5EF4-FFF2-40B4-BE49-F238E27FC236}">
-                <a16:creationId xmlns:a16="http://schemas.microsoft.com/office/drawing/2014/main" id="{6AAA0C94-1DBF-4FCF-9C4E-AA9DBE0282E7}"/>
-              </a:ext>
-            </a:extLst>
-          </p:cNvPr>
-          <p:cNvPicPr>
-            <a:picLocks noChangeAspect="1"/>
-          </p:cNvPicPr>
-          <p:nvPr/>
-        </p:nvPicPr>
-        <p:blipFill rotWithShape="1">
-          <a:blip r:embed="rId4">
-            <a:duotone>
-              <a:schemeClr val="accent6">
-                <a:shade val="45000"/>
-                <a:satMod val="135000"/>
-              </a:schemeClr>
-              <a:prstClr val="white"/>
-            </a:duotone>
-          </a:blip>
-          <a:srcRect l="5188" t="6147" r="4160"/>
-          <a:stretch/>
-        </p:blipFill>
-        <p:spPr>
-          <a:xfrm>
-            <a:off x="9570152" y="2448685"/>
-            <a:ext cx="2598163" cy="765484"/>
-          </a:xfrm>
-          <a:prstGeom prst="rect">
-            <a:avLst/>
-          </a:prstGeom>
-        </p:spPr>
-      </p:pic>
-      <p:grpSp>
-        <p:nvGrpSpPr>
-          <p:cNvPr id="19" name="Group 18">
-            <a:extLst>
-              <a:ext uri="{FF2B5EF4-FFF2-40B4-BE49-F238E27FC236}">
-                <a16:creationId xmlns:a16="http://schemas.microsoft.com/office/drawing/2014/main" id="{021202C4-5920-4FFB-ACF5-BDBED4CDE7CF}"/>
-              </a:ext>
-            </a:extLst>
-          </p:cNvPr>
-          <p:cNvGrpSpPr/>
-          <p:nvPr/>
-        </p:nvGrpSpPr>
-        <p:grpSpPr>
-          <a:xfrm>
-            <a:off x="704404" y="1983910"/>
-            <a:ext cx="3053612" cy="1361060"/>
-            <a:chOff x="661985" y="2312224"/>
-            <a:chExt cx="3053612" cy="1361060"/>
-          </a:xfrm>
-        </p:grpSpPr>
-        <p:pic>
-          <p:nvPicPr>
-            <p:cNvPr id="18" name="Picture 17">
-              <a:extLst>
-                <a:ext uri="{FF2B5EF4-FFF2-40B4-BE49-F238E27FC236}">
-                  <a16:creationId xmlns:a16="http://schemas.microsoft.com/office/drawing/2014/main" id="{5244A8C4-BC74-4940-8604-03A3C23FF94C}"/>
-                </a:ext>
-              </a:extLst>
-            </p:cNvPr>
-            <p:cNvPicPr>
-              <a:picLocks noChangeAspect="1"/>
-            </p:cNvPicPr>
-            <p:nvPr/>
-          </p:nvPicPr>
-          <p:blipFill rotWithShape="1">
-            <a:blip r:embed="rId5">
-              <a:duotone>
-                <a:schemeClr val="accent6">
-                  <a:shade val="45000"/>
-                  <a:satMod val="135000"/>
-                </a:schemeClr>
-                <a:prstClr val="white"/>
-              </a:duotone>
-            </a:blip>
-            <a:srcRect r="41883"/>
-            <a:stretch/>
-          </p:blipFill>
-          <p:spPr>
-            <a:xfrm>
-              <a:off x="661985" y="2312224"/>
-              <a:ext cx="2960410" cy="730042"/>
-            </a:xfrm>
-            <a:prstGeom prst="rect">
-              <a:avLst/>
-            </a:prstGeom>
-          </p:spPr>
-        </p:pic>
-        <p:pic>
-          <p:nvPicPr>
-            <p:cNvPr id="39" name="Picture 38">
-              <a:extLst>
-                <a:ext uri="{FF2B5EF4-FFF2-40B4-BE49-F238E27FC236}">
-                  <a16:creationId xmlns:a16="http://schemas.microsoft.com/office/drawing/2014/main" id="{AA19BC23-7565-4119-9B8C-A688C9976531}"/>
-                </a:ext>
-              </a:extLst>
-            </p:cNvPr>
-            <p:cNvPicPr>
-              <a:picLocks noChangeAspect="1"/>
-            </p:cNvPicPr>
-            <p:nvPr/>
-          </p:nvPicPr>
-          <p:blipFill rotWithShape="1">
-            <a:blip r:embed="rId5">
-              <a:duotone>
-                <a:schemeClr val="accent6">
-                  <a:shade val="45000"/>
-                  <a:satMod val="135000"/>
-                </a:schemeClr>
-                <a:prstClr val="white"/>
-              </a:duotone>
-            </a:blip>
-            <a:srcRect l="56946"/>
-            <a:stretch/>
-          </p:blipFill>
-          <p:spPr>
-            <a:xfrm>
-              <a:off x="1522450" y="2943242"/>
-              <a:ext cx="2193147" cy="730042"/>
-            </a:xfrm>
-            <a:prstGeom prst="rect">
-              <a:avLst/>
-            </a:prstGeom>
-          </p:spPr>
-        </p:pic>
-      </p:grpSp>
-      <p:cxnSp>
-        <p:nvCxnSpPr>
-          <p:cNvPr id="41" name="Connector: Curved 40">
-            <a:extLst>
-              <a:ext uri="{FF2B5EF4-FFF2-40B4-BE49-F238E27FC236}">
-                <a16:creationId xmlns:a16="http://schemas.microsoft.com/office/drawing/2014/main" id="{3214B9FC-6050-44CA-AEC3-3B21DB6C5421}"/>
-              </a:ext>
-            </a:extLst>
-          </p:cNvPr>
-          <p:cNvCxnSpPr/>
-          <p:nvPr/>
-        </p:nvCxnSpPr>
-        <p:spPr>
-          <a:xfrm rot="16200000" flipV="1">
-            <a:off x="2898786" y="3262770"/>
-            <a:ext cx="496697" cy="399496"/>
-          </a:xfrm>
-          <a:prstGeom prst="curvedConnector3">
-            <a:avLst/>
-          </a:prstGeom>
-          <a:ln w="28575">
-            <a:solidFill>
-              <a:schemeClr val="accent6"/>
-            </a:solidFill>
-            <a:tailEnd type="triangle"/>
-          </a:ln>
-        </p:spPr>
-        <p:style>
-          <a:lnRef idx="1">
-            <a:schemeClr val="accent1"/>
-          </a:lnRef>
-          <a:fillRef idx="0">
-            <a:schemeClr val="accent1"/>
-          </a:fillRef>
-          <a:effectRef idx="0">
-            <a:schemeClr val="accent1"/>
-          </a:effectRef>
-          <a:fontRef idx="minor">
-            <a:schemeClr val="tx1"/>
-          </a:fontRef>
-        </p:style>
-      </p:cxnSp>
-      <p:cxnSp>
-        <p:nvCxnSpPr>
-          <p:cNvPr id="46" name="Connector: Curved 45">
-            <a:extLst>
-              <a:ext uri="{FF2B5EF4-FFF2-40B4-BE49-F238E27FC236}">
-                <a16:creationId xmlns:a16="http://schemas.microsoft.com/office/drawing/2014/main" id="{BF004F64-5BE0-4A69-821F-9E0CDA85D057}"/>
-              </a:ext>
-            </a:extLst>
-          </p:cNvPr>
-          <p:cNvCxnSpPr>
-            <a:cxnSpLocks/>
-          </p:cNvCxnSpPr>
-          <p:nvPr/>
-        </p:nvCxnSpPr>
-        <p:spPr>
-          <a:xfrm rot="5400000">
-            <a:off x="5919641" y="4207824"/>
-            <a:ext cx="688974" cy="584580"/>
-          </a:xfrm>
-          <a:prstGeom prst="curvedConnector3">
-            <a:avLst/>
-          </a:prstGeom>
-          <a:ln w="28575">
-            <a:solidFill>
-              <a:schemeClr val="accent6"/>
-            </a:solidFill>
-            <a:tailEnd type="triangle"/>
-          </a:ln>
-        </p:spPr>
-        <p:style>
-          <a:lnRef idx="1">
-            <a:schemeClr val="accent1"/>
-          </a:lnRef>
-          <a:fillRef idx="0">
-            <a:schemeClr val="accent1"/>
-          </a:fillRef>
-          <a:effectRef idx="0">
-            <a:schemeClr val="accent1"/>
-          </a:effectRef>
-          <a:fontRef idx="minor">
-            <a:schemeClr val="tx1"/>
-          </a:fontRef>
-        </p:style>
-      </p:cxnSp>
-      <p:cxnSp>
-        <p:nvCxnSpPr>
-          <p:cNvPr id="48" name="Connector: Curved 47">
-            <a:extLst>
-              <a:ext uri="{FF2B5EF4-FFF2-40B4-BE49-F238E27FC236}">
-                <a16:creationId xmlns:a16="http://schemas.microsoft.com/office/drawing/2014/main" id="{41C3B803-FC37-480A-A4BE-CB7ED799908F}"/>
-              </a:ext>
-            </a:extLst>
-          </p:cNvPr>
-          <p:cNvCxnSpPr>
-            <a:cxnSpLocks/>
-          </p:cNvCxnSpPr>
-          <p:nvPr/>
-        </p:nvCxnSpPr>
-        <p:spPr>
-          <a:xfrm rot="16200000" flipV="1">
-            <a:off x="5668141" y="1212229"/>
-            <a:ext cx="1288813" cy="534562"/>
-          </a:xfrm>
-          <a:prstGeom prst="curvedConnector3">
-            <a:avLst/>
-          </a:prstGeom>
-          <a:ln w="28575">
-            <a:solidFill>
-              <a:schemeClr val="accent6"/>
-            </a:solidFill>
-            <a:tailEnd type="triangle"/>
-          </a:ln>
-        </p:spPr>
-        <p:style>
-          <a:lnRef idx="1">
-            <a:schemeClr val="accent1"/>
-          </a:lnRef>
-          <a:fillRef idx="0">
-            <a:schemeClr val="accent1"/>
-          </a:fillRef>
-          <a:effectRef idx="0">
-            <a:schemeClr val="accent1"/>
-          </a:effectRef>
-          <a:fontRef idx="minor">
-            <a:schemeClr val="tx1"/>
-          </a:fontRef>
-        </p:style>
-      </p:cxnSp>
-      <p:cxnSp>
-        <p:nvCxnSpPr>
-          <p:cNvPr id="52" name="Connector: Curved 51">
-            <a:extLst>
-              <a:ext uri="{FF2B5EF4-FFF2-40B4-BE49-F238E27FC236}">
-                <a16:creationId xmlns:a16="http://schemas.microsoft.com/office/drawing/2014/main" id="{E3A4CFF5-F068-48F3-BE71-E6E74E099E71}"/>
-              </a:ext>
-            </a:extLst>
-          </p:cNvPr>
-          <p:cNvCxnSpPr>
-            <a:cxnSpLocks/>
-            <a:endCxn id="15" idx="2"/>
-          </p:cNvCxnSpPr>
-          <p:nvPr/>
-        </p:nvCxnSpPr>
-        <p:spPr>
-          <a:xfrm flipV="1">
-            <a:off x="9801441" y="3214169"/>
-            <a:ext cx="1067793" cy="684682"/>
-          </a:xfrm>
-          <a:prstGeom prst="curvedConnector2">
-            <a:avLst/>
-          </a:prstGeom>
-          <a:ln w="28575">
-            <a:solidFill>
-              <a:schemeClr val="accent6"/>
-            </a:solidFill>
-            <a:tailEnd type="triangle"/>
-          </a:ln>
-        </p:spPr>
-        <p:style>
-          <a:lnRef idx="1">
-            <a:schemeClr val="accent1"/>
-          </a:lnRef>
-          <a:fillRef idx="0">
-            <a:schemeClr val="accent1"/>
-          </a:fillRef>
-          <a:effectRef idx="0">
-            <a:schemeClr val="accent1"/>
-          </a:effectRef>
-          <a:fontRef idx="minor">
-            <a:schemeClr val="tx1"/>
-          </a:fontRef>
-        </p:style>
-      </p:cxnSp>
-      <p:cxnSp>
-        <p:nvCxnSpPr>
-          <p:cNvPr id="38" name="Connector: Elbow 37">
-            <a:extLst>
-              <a:ext uri="{FF2B5EF4-FFF2-40B4-BE49-F238E27FC236}">
-                <a16:creationId xmlns:a16="http://schemas.microsoft.com/office/drawing/2014/main" id="{0DD52B2A-E497-4BAE-8B35-E963D7DC6A80}"/>
-              </a:ext>
-            </a:extLst>
-          </p:cNvPr>
-          <p:cNvCxnSpPr>
-            <a:cxnSpLocks/>
-            <a:stCxn id="6" idx="1"/>
-            <a:endCxn id="4" idx="1"/>
-          </p:cNvCxnSpPr>
-          <p:nvPr/>
-        </p:nvCxnSpPr>
-        <p:spPr>
-          <a:xfrm rot="10800000" flipH="1" flipV="1">
-            <a:off x="5825417" y="2268030"/>
-            <a:ext cx="69542" cy="1649765"/>
-          </a:xfrm>
-          <a:prstGeom prst="bentConnector3">
-            <a:avLst>
-              <a:gd name="adj1" fmla="val -763931"/>
-            </a:avLst>
-          </a:prstGeom>
-          <a:ln w="28575">
-            <a:solidFill>
-              <a:schemeClr val="accent2">
-                <a:lumMod val="75000"/>
-              </a:schemeClr>
-            </a:solidFill>
-            <a:tailEnd type="triangle"/>
-          </a:ln>
-        </p:spPr>
-        <p:style>
-          <a:lnRef idx="1">
-            <a:schemeClr val="accent1"/>
-          </a:lnRef>
-          <a:fillRef idx="0">
-            <a:schemeClr val="accent1"/>
-          </a:fillRef>
-          <a:effectRef idx="0">
-            <a:schemeClr val="accent1"/>
-          </a:effectRef>
-          <a:fontRef idx="minor">
-            <a:schemeClr val="tx1"/>
-          </a:fontRef>
-        </p:style>
-      </p:cxnSp>
-      <p:cxnSp>
-        <p:nvCxnSpPr>
-          <p:cNvPr id="42" name="Connector: Elbow 41">
-            <a:extLst>
-              <a:ext uri="{FF2B5EF4-FFF2-40B4-BE49-F238E27FC236}">
-                <a16:creationId xmlns:a16="http://schemas.microsoft.com/office/drawing/2014/main" id="{A2543D20-873D-4D24-8B6D-490B4228536E}"/>
-              </a:ext>
-            </a:extLst>
-          </p:cNvPr>
-          <p:cNvCxnSpPr>
-            <a:cxnSpLocks/>
-          </p:cNvCxnSpPr>
-          <p:nvPr/>
-        </p:nvCxnSpPr>
-        <p:spPr>
-          <a:xfrm rot="16200000" flipH="1">
-            <a:off x="6766545" y="1682012"/>
-            <a:ext cx="466908" cy="829415"/>
-          </a:xfrm>
-          <a:prstGeom prst="bentConnector4">
-            <a:avLst>
-              <a:gd name="adj1" fmla="val -48960"/>
-              <a:gd name="adj2" fmla="val 133773"/>
-            </a:avLst>
-          </a:prstGeom>
-          <a:ln w="28575">
-            <a:solidFill>
-              <a:schemeClr val="accent2">
-                <a:lumMod val="75000"/>
-              </a:schemeClr>
-            </a:solidFill>
-            <a:tailEnd type="triangle"/>
-          </a:ln>
-        </p:spPr>
-        <p:style>
-          <a:lnRef idx="1">
-            <a:schemeClr val="accent1"/>
-          </a:lnRef>
-          <a:fillRef idx="0">
-            <a:schemeClr val="accent1"/>
-          </a:fillRef>
-          <a:effectRef idx="0">
-            <a:schemeClr val="accent1"/>
-          </a:effectRef>
-          <a:fontRef idx="minor">
-            <a:schemeClr val="tx1"/>
-          </a:fontRef>
-        </p:style>
-      </p:cxnSp>
     </p:spTree>
     <p:extLst>
       <p:ext uri="{BB962C8B-B14F-4D97-AF65-F5344CB8AC3E}">
